--- a/notes/problem-solving.pptx
+++ b/notes/problem-solving.pptx
@@ -224,7 +224,7 @@
           <a:p>
             <a:fld id="{8A1B613A-EFF1-404F-BEE8-EFAE84A4E5E2}" type="datetimeFigureOut">
               <a:rPr lang="en-US" smtClean="0"/>
-              <a:t>3/25/21</a:t>
+              <a:t>1/25/2023</a:t>
             </a:fld>
             <a:endParaRPr lang="en-US"/>
           </a:p>
@@ -389,7 +389,7 @@
           <a:p>
             <a:fld id="{690847EA-AC25-3D4E-89E1-FD3F6A9702B6}" type="datetimeFigureOut">
               <a:rPr lang="en-US" smtClean="0"/>
-              <a:t>3/25/21</a:t>
+              <a:t>1/25/2023</a:t>
             </a:fld>
             <a:endParaRPr lang="en-US"/>
           </a:p>
@@ -803,7 +803,7 @@
           <a:p>
             <a:fld id="{BE5295ED-3BAF-1140-8495-3D368771D6B1}" type="datetimeFigureOut">
               <a:rPr lang="en-US" smtClean="0"/>
-              <a:t>3/25/21</a:t>
+              <a:t>1/25/2023</a:t>
             </a:fld>
             <a:endParaRPr lang="en-US"/>
           </a:p>
@@ -1001,7 +1001,7 @@
           <a:p>
             <a:fld id="{BE5295ED-3BAF-1140-8495-3D368771D6B1}" type="datetimeFigureOut">
               <a:rPr lang="en-US" smtClean="0"/>
-              <a:t>3/25/21</a:t>
+              <a:t>1/25/2023</a:t>
             </a:fld>
             <a:endParaRPr lang="en-US"/>
           </a:p>
@@ -1209,7 +1209,7 @@
           <a:p>
             <a:fld id="{BE5295ED-3BAF-1140-8495-3D368771D6B1}" type="datetimeFigureOut">
               <a:rPr lang="en-US" smtClean="0"/>
-              <a:t>3/25/21</a:t>
+              <a:t>1/25/2023</a:t>
             </a:fld>
             <a:endParaRPr lang="en-US"/>
           </a:p>
@@ -1407,7 +1407,7 @@
           <a:p>
             <a:fld id="{BE5295ED-3BAF-1140-8495-3D368771D6B1}" type="datetimeFigureOut">
               <a:rPr lang="en-US" smtClean="0"/>
-              <a:t>3/25/21</a:t>
+              <a:t>1/25/2023</a:t>
             </a:fld>
             <a:endParaRPr lang="en-US"/>
           </a:p>
@@ -1682,7 +1682,7 @@
           <a:p>
             <a:fld id="{BE5295ED-3BAF-1140-8495-3D368771D6B1}" type="datetimeFigureOut">
               <a:rPr lang="en-US" smtClean="0"/>
-              <a:t>3/25/21</a:t>
+              <a:t>1/25/2023</a:t>
             </a:fld>
             <a:endParaRPr lang="en-US"/>
           </a:p>
@@ -1947,7 +1947,7 @@
           <a:p>
             <a:fld id="{BE5295ED-3BAF-1140-8495-3D368771D6B1}" type="datetimeFigureOut">
               <a:rPr lang="en-US" smtClean="0"/>
-              <a:t>3/25/21</a:t>
+              <a:t>1/25/2023</a:t>
             </a:fld>
             <a:endParaRPr lang="en-US"/>
           </a:p>
@@ -2359,7 +2359,7 @@
           <a:p>
             <a:fld id="{BE5295ED-3BAF-1140-8495-3D368771D6B1}" type="datetimeFigureOut">
               <a:rPr lang="en-US" smtClean="0"/>
-              <a:t>3/25/21</a:t>
+              <a:t>1/25/2023</a:t>
             </a:fld>
             <a:endParaRPr lang="en-US"/>
           </a:p>
@@ -2500,7 +2500,7 @@
           <a:p>
             <a:fld id="{BE5295ED-3BAF-1140-8495-3D368771D6B1}" type="datetimeFigureOut">
               <a:rPr lang="en-US" smtClean="0"/>
-              <a:t>3/25/21</a:t>
+              <a:t>1/25/2023</a:t>
             </a:fld>
             <a:endParaRPr lang="en-US"/>
           </a:p>
@@ -2613,7 +2613,7 @@
           <a:p>
             <a:fld id="{BE5295ED-3BAF-1140-8495-3D368771D6B1}" type="datetimeFigureOut">
               <a:rPr lang="en-US" smtClean="0"/>
-              <a:t>3/25/21</a:t>
+              <a:t>1/25/2023</a:t>
             </a:fld>
             <a:endParaRPr lang="en-US"/>
           </a:p>
@@ -2924,7 +2924,7 @@
           <a:p>
             <a:fld id="{BE5295ED-3BAF-1140-8495-3D368771D6B1}" type="datetimeFigureOut">
               <a:rPr lang="en-US" smtClean="0"/>
-              <a:t>3/25/21</a:t>
+              <a:t>1/25/2023</a:t>
             </a:fld>
             <a:endParaRPr lang="en-US"/>
           </a:p>
@@ -3215,7 +3215,7 @@
           <a:p>
             <a:fld id="{BE5295ED-3BAF-1140-8495-3D368771D6B1}" type="datetimeFigureOut">
               <a:rPr lang="en-US" smtClean="0"/>
-              <a:t>3/25/21</a:t>
+              <a:t>1/25/2023</a:t>
             </a:fld>
             <a:endParaRPr lang="en-US"/>
           </a:p>
@@ -3456,7 +3456,7 @@
           <a:p>
             <a:fld id="{BE5295ED-3BAF-1140-8495-3D368771D6B1}" type="datetimeFigureOut">
               <a:rPr lang="en-US" smtClean="0"/>
-              <a:t>3/25/21</a:t>
+              <a:t>1/25/2023</a:t>
             </a:fld>
             <a:endParaRPr lang="en-US"/>
           </a:p>
@@ -3999,9 +3999,10 @@
           <a:lstStyle/>
           <a:p>
             <a:r>
-              <a:rPr lang="en-US" dirty="0"/>
-              <a:t>Terence Parr</a:t>
-            </a:r>
+              <a:rPr lang="en-US"/>
+              <a:t>Mustafa Hajij</a:t>
+            </a:r>
+            <a:endParaRPr lang="en-US" dirty="0"/>
           </a:p>
           <a:p>
             <a:r>
@@ -5555,8 +5556,8 @@
           </a:extLst>
         </p:spPr>
       </p:pic>
-      <mc:AlternateContent xmlns:mc="http://schemas.openxmlformats.org/markup-compatibility/2006">
-        <mc:Choice xmlns:a14="http://schemas.microsoft.com/office/drawing/2010/main" Requires="a14">
+      <mc:AlternateContent xmlns:mc="http://schemas.openxmlformats.org/markup-compatibility/2006" xmlns:a14="http://schemas.microsoft.com/office/drawing/2010/main">
+        <mc:Choice Requires="a14">
           <p:sp>
             <p:nvSpPr>
               <p:cNvPr id="4" name="TextBox 3">
@@ -5608,7 +5609,7 @@
             </p:txBody>
           </p:sp>
         </mc:Choice>
-        <mc:Fallback>
+        <mc:Fallback xmlns="">
           <p:sp>
             <p:nvSpPr>
               <p:cNvPr id="4" name="TextBox 3">
@@ -5653,8 +5654,8 @@
           </p:sp>
         </mc:Fallback>
       </mc:AlternateContent>
-      <mc:AlternateContent xmlns:mc="http://schemas.openxmlformats.org/markup-compatibility/2006">
-        <mc:Choice xmlns:a14="http://schemas.microsoft.com/office/drawing/2010/main" Requires="a14">
+      <mc:AlternateContent xmlns:mc="http://schemas.openxmlformats.org/markup-compatibility/2006" xmlns:a14="http://schemas.microsoft.com/office/drawing/2010/main">
+        <mc:Choice Requires="a14">
           <p:sp>
             <p:nvSpPr>
               <p:cNvPr id="6" name="TextBox 5">
@@ -5706,7 +5707,7 @@
             </p:txBody>
           </p:sp>
         </mc:Choice>
-        <mc:Fallback>
+        <mc:Fallback xmlns="">
           <p:sp>
             <p:nvSpPr>
               <p:cNvPr id="6" name="TextBox 5">

--- a/notes/problem-solving.pptx
+++ b/notes/problem-solving.pptx
@@ -5,10 +5,10 @@
     <p:sldMasterId id="2147483672" r:id="rId1"/>
   </p:sldMasterIdLst>
   <p:notesMasterIdLst>
-    <p:notesMasterId r:id="rId21"/>
+    <p:notesMasterId r:id="rId20"/>
   </p:notesMasterIdLst>
   <p:handoutMasterIdLst>
-    <p:handoutMasterId r:id="rId22"/>
+    <p:handoutMasterId r:id="rId21"/>
   </p:handoutMasterIdLst>
   <p:sldIdLst>
     <p:sldId id="256" r:id="rId2"/>
@@ -20,16 +20,15 @@
     <p:sldId id="295" r:id="rId8"/>
     <p:sldId id="292" r:id="rId9"/>
     <p:sldId id="296" r:id="rId10"/>
-    <p:sldId id="297" r:id="rId11"/>
-    <p:sldId id="298" r:id="rId12"/>
-    <p:sldId id="300" r:id="rId13"/>
-    <p:sldId id="301" r:id="rId14"/>
-    <p:sldId id="299" r:id="rId15"/>
-    <p:sldId id="294" r:id="rId16"/>
-    <p:sldId id="303" r:id="rId17"/>
-    <p:sldId id="302" r:id="rId18"/>
-    <p:sldId id="304" r:id="rId19"/>
-    <p:sldId id="305" r:id="rId20"/>
+    <p:sldId id="298" r:id="rId11"/>
+    <p:sldId id="300" r:id="rId12"/>
+    <p:sldId id="301" r:id="rId13"/>
+    <p:sldId id="299" r:id="rId14"/>
+    <p:sldId id="294" r:id="rId15"/>
+    <p:sldId id="303" r:id="rId16"/>
+    <p:sldId id="302" r:id="rId17"/>
+    <p:sldId id="304" r:id="rId18"/>
+    <p:sldId id="305" r:id="rId19"/>
   </p:sldIdLst>
   <p:sldSz cx="12192000" cy="6858000"/>
   <p:notesSz cx="9144000" cy="6858000"/>
@@ -137,6 +136,27 @@
     </p:ext>
   </p:extLst>
 </p:presentation>
+</file>
+
+<file path=ppt/changesInfos/changesInfo1.xml><?xml version="1.0" encoding="utf-8"?>
+<pc:chgInfo xmlns:a="http://schemas.openxmlformats.org/drawingml/2006/main" xmlns:r="http://schemas.openxmlformats.org/officeDocument/2006/relationships" xmlns:ac="http://schemas.microsoft.com/office/drawing/2013/main/command" xmlns:pc="http://schemas.microsoft.com/office/powerpoint/2013/main/command">
+  <pc:docChgLst>
+    <pc:chgData name="Mustafa Hajij" userId="b22eaf4d89ebb7d9" providerId="LiveId" clId="{9A4551E3-7131-4E0C-A8F7-78D0F9A3205D}"/>
+    <pc:docChg chg="delSld">
+      <pc:chgData name="Mustafa Hajij" userId="b22eaf4d89ebb7d9" providerId="LiveId" clId="{9A4551E3-7131-4E0C-A8F7-78D0F9A3205D}" dt="2023-01-26T07:18:11.178" v="0" actId="47"/>
+      <pc:docMkLst>
+        <pc:docMk/>
+      </pc:docMkLst>
+      <pc:sldChg chg="del">
+        <pc:chgData name="Mustafa Hajij" userId="b22eaf4d89ebb7d9" providerId="LiveId" clId="{9A4551E3-7131-4E0C-A8F7-78D0F9A3205D}" dt="2023-01-26T07:18:11.178" v="0" actId="47"/>
+        <pc:sldMkLst>
+          <pc:docMk/>
+          <pc:sldMk cId="1084148653" sldId="297"/>
+        </pc:sldMkLst>
+      </pc:sldChg>
+    </pc:docChg>
+  </pc:docChgLst>
+</pc:chgInfo>
 </file>
 
 <file path=ppt/handoutMasters/handoutMaster1.xml><?xml version="1.0" encoding="utf-8"?>
@@ -4067,7 +4087,7 @@
           <a:p>
             <a:r>
               <a:rPr lang="en-US" dirty="0"/>
-              <a:t>Requisite mathematician joke</a:t>
+              <a:t>Steps in “solve” phase</a:t>
             </a:r>
           </a:p>
         </p:txBody>
@@ -4087,27 +4107,41 @@
           <a:bodyPr/>
           <a:lstStyle/>
           <a:p>
-            <a:r>
-              <a:rPr lang="en-US" dirty="0"/>
-              <a:t>“</a:t>
-            </a:r>
-            <a:r>
-              <a:rPr lang="en-US" i="1" dirty="0"/>
-              <a:t>A physicist and a mathematician are sitting in a faculty lounge. Suddenly, the coffee machine catches on fire. The physicist grabs a bucket and leaps towards the sink, fills the bucket with water, and puts out the fire.</a:t>
-            </a:r>
-            <a:br>
-              <a:rPr lang="en-US" i="1" dirty="0"/>
-            </a:br>
-            <a:br>
-              <a:rPr lang="en-US" i="1" dirty="0"/>
-            </a:br>
-            <a:r>
-              <a:rPr lang="en-US" i="1" dirty="0"/>
-              <a:t>Second day, the same two sit in the same lounge. Again, the coffee machine catches on fire. This time, the mathematician stands up, gets a bucket, hands the bucket to the physicist, thus, reducing the problem to one with a known solution</a:t>
-            </a:r>
-            <a:r>
-              <a:rPr lang="en-US" dirty="0"/>
-              <a:t>.”</a:t>
+            <a:pPr marL="514350" indent="-514350">
+              <a:buFont typeface="+mj-lt"/>
+              <a:buAutoNum type="alphaUcPeriod"/>
+            </a:pPr>
+            <a:r>
+              <a:rPr lang="en-US" b="1" dirty="0"/>
+              <a:t>Explore</a:t>
+            </a:r>
+          </a:p>
+          <a:p>
+            <a:pPr lvl="1"/>
+            <a:r>
+              <a:rPr lang="en-US" dirty="0"/>
+              <a:t>Look at the input-output example and imagine how you can manually operate on the input to get the output (using fingers on paper)</a:t>
+            </a:r>
+          </a:p>
+          <a:p>
+            <a:pPr lvl="1"/>
+            <a:r>
+              <a:rPr lang="en-US" dirty="0"/>
+              <a:t>Attempt any manual sequence of operations that appears to be in the right direction, even if you know it's not quite right</a:t>
+            </a:r>
+          </a:p>
+          <a:p>
+            <a:pPr lvl="1"/>
+            <a:r>
+              <a:rPr lang="en-US" dirty="0"/>
+              <a:t>Exploration helps you understand the problem and will trigger more questions, so ask questions</a:t>
+            </a:r>
+          </a:p>
+          <a:p>
+            <a:pPr lvl="1"/>
+            <a:r>
+              <a:rPr lang="en-US" dirty="0"/>
+              <a:t>Write down what you know; e.g., in a geometry problem, you might know which angles or arcs are the same length or that you can make two triangles out of the given rectangle by drawing a line</a:t>
             </a:r>
           </a:p>
         </p:txBody>
@@ -4115,7 +4149,7 @@
     </p:spTree>
     <p:extLst>
       <p:ext uri="{BB962C8B-B14F-4D97-AF65-F5344CB8AC3E}">
-        <p14:creationId xmlns:p14="http://schemas.microsoft.com/office/powerpoint/2010/main" val="1084148653"/>
+        <p14:creationId xmlns:p14="http://schemas.microsoft.com/office/powerpoint/2010/main" val="616968254"/>
       </p:ext>
     </p:extLst>
   </p:cSld>
@@ -4159,7 +4193,7 @@
           <a:p>
             <a:r>
               <a:rPr lang="en-US" dirty="0"/>
-              <a:t>Steps in “solve” phase</a:t>
+              <a:t>Steps in “solve” phase continued</a:t>
             </a:r>
           </a:p>
         </p:txBody>
@@ -4176,52 +4210,88 @@
         </p:nvSpPr>
         <p:spPr/>
         <p:txBody>
-          <a:bodyPr/>
+          <a:bodyPr>
+            <a:normAutofit lnSpcReduction="10000"/>
+          </a:bodyPr>
           <a:lstStyle/>
           <a:p>
             <a:pPr marL="514350" indent="-514350">
               <a:buFont typeface="+mj-lt"/>
-              <a:buAutoNum type="alphaUcPeriod"/>
+              <a:buAutoNum type="alphaUcPeriod" startAt="2"/>
             </a:pPr>
             <a:r>
               <a:rPr lang="en-US" b="1" dirty="0"/>
-              <a:t>Explore</a:t>
-            </a:r>
+              <a:t>Reduce</a:t>
+            </a:r>
+            <a:endParaRPr lang="en-US" dirty="0"/>
           </a:p>
           <a:p>
             <a:pPr lvl="1"/>
             <a:r>
               <a:rPr lang="en-US" dirty="0"/>
-              <a:t>Look at the input-output example and imagine how you can manually operate on the input to get the output (using fingers on paper)</a:t>
-            </a:r>
+              <a:t>Can you reduce the problem to known solution by preprocessing the input a bit?</a:t>
+            </a:r>
+          </a:p>
+          <a:p>
+            <a:pPr marL="514350" indent="-514350">
+              <a:buFont typeface="+mj-lt"/>
+              <a:buAutoNum type="alphaUcPeriod" startAt="3"/>
+            </a:pPr>
+            <a:r>
+              <a:rPr lang="en-US" b="1" dirty="0"/>
+              <a:t>Reuse</a:t>
+            </a:r>
+            <a:endParaRPr lang="en-US" dirty="0"/>
           </a:p>
           <a:p>
             <a:pPr lvl="1"/>
             <a:r>
               <a:rPr lang="en-US" dirty="0"/>
-              <a:t>Attempt any manual sequence of operations that appears to be in the right direction, even if you know it's not quite right</a:t>
+              <a:t>Look for and reuse familiar programming patterns like vector sum, min, sort, map, filter, and find</a:t>
             </a:r>
           </a:p>
           <a:p>
             <a:pPr lvl="1"/>
             <a:r>
               <a:rPr lang="en-US" dirty="0"/>
-              <a:t>Exploration helps you understand the problem and will trigger more questions, so ask questions</a:t>
-            </a:r>
+              <a:t>E.g., to sort a list of numbers (slowly), repeatedly pull then delete the minimum value out of one array and add it to the end of another.</a:t>
+            </a:r>
+          </a:p>
+          <a:p>
+            <a:pPr marL="514350" indent="-514350">
+              <a:buFont typeface="+mj-lt"/>
+              <a:buAutoNum type="alphaUcPeriod" startAt="4"/>
+            </a:pPr>
+            <a:r>
+              <a:rPr lang="en-US" b="1" dirty="0"/>
+              <a:t>Systematize</a:t>
+            </a:r>
+            <a:endParaRPr lang="en-US" dirty="0"/>
           </a:p>
           <a:p>
             <a:pPr lvl="1"/>
             <a:r>
               <a:rPr lang="en-US" dirty="0"/>
-              <a:t>Write down what you know; e.g., in a geometry problem, you might know which angles or arcs are the same length or that you can make two triangles out of the given rectangle by drawing a line</a:t>
-            </a:r>
+              <a:t>Simplify and organize the steps in your process as pseudo-code</a:t>
+            </a:r>
+          </a:p>
+          <a:p>
+            <a:pPr lvl="1"/>
+            <a:r>
+              <a:rPr lang="en-US" dirty="0"/>
+              <a:t>This is your algorithm</a:t>
+            </a:r>
+          </a:p>
+          <a:p>
+            <a:pPr lvl="1"/>
+            <a:endParaRPr lang="en-US" dirty="0"/>
           </a:p>
         </p:txBody>
       </p:sp>
     </p:spTree>
     <p:extLst>
       <p:ext uri="{BB962C8B-B14F-4D97-AF65-F5344CB8AC3E}">
-        <p14:creationId xmlns:p14="http://schemas.microsoft.com/office/powerpoint/2010/main" val="616968254"/>
+        <p14:creationId xmlns:p14="http://schemas.microsoft.com/office/powerpoint/2010/main" val="1168501001"/>
       </p:ext>
     </p:extLst>
   </p:cSld>
@@ -4265,148 +4335,6 @@
           <a:p>
             <a:r>
               <a:rPr lang="en-US" dirty="0"/>
-              <a:t>Steps in “solve” phase continued</a:t>
-            </a:r>
-          </a:p>
-        </p:txBody>
-      </p:sp>
-      <p:sp>
-        <p:nvSpPr>
-          <p:cNvPr id="3" name="Content Placeholder 2"/>
-          <p:cNvSpPr>
-            <a:spLocks noGrp="1"/>
-          </p:cNvSpPr>
-          <p:nvPr>
-            <p:ph idx="1"/>
-          </p:nvPr>
-        </p:nvSpPr>
-        <p:spPr/>
-        <p:txBody>
-          <a:bodyPr>
-            <a:normAutofit lnSpcReduction="10000"/>
-          </a:bodyPr>
-          <a:lstStyle/>
-          <a:p>
-            <a:pPr marL="514350" indent="-514350">
-              <a:buFont typeface="+mj-lt"/>
-              <a:buAutoNum type="alphaUcPeriod" startAt="2"/>
-            </a:pPr>
-            <a:r>
-              <a:rPr lang="en-US" b="1" dirty="0"/>
-              <a:t>Reduce</a:t>
-            </a:r>
-            <a:endParaRPr lang="en-US" dirty="0"/>
-          </a:p>
-          <a:p>
-            <a:pPr lvl="1"/>
-            <a:r>
-              <a:rPr lang="en-US" dirty="0"/>
-              <a:t>Can you reduce the problem to known solution by preprocessing the input a bit?</a:t>
-            </a:r>
-          </a:p>
-          <a:p>
-            <a:pPr marL="514350" indent="-514350">
-              <a:buFont typeface="+mj-lt"/>
-              <a:buAutoNum type="alphaUcPeriod" startAt="3"/>
-            </a:pPr>
-            <a:r>
-              <a:rPr lang="en-US" b="1" dirty="0"/>
-              <a:t>Reuse</a:t>
-            </a:r>
-            <a:endParaRPr lang="en-US" dirty="0"/>
-          </a:p>
-          <a:p>
-            <a:pPr lvl="1"/>
-            <a:r>
-              <a:rPr lang="en-US" dirty="0"/>
-              <a:t>Look for and reuse familiar programming patterns like vector sum, min, sort, map, filter, and find</a:t>
-            </a:r>
-          </a:p>
-          <a:p>
-            <a:pPr lvl="1"/>
-            <a:r>
-              <a:rPr lang="en-US" dirty="0"/>
-              <a:t>E.g., to sort a list of numbers (slowly), repeatedly pull then delete the minimum value out of one array and add it to the end of another.</a:t>
-            </a:r>
-          </a:p>
-          <a:p>
-            <a:pPr marL="514350" indent="-514350">
-              <a:buFont typeface="+mj-lt"/>
-              <a:buAutoNum type="alphaUcPeriod" startAt="4"/>
-            </a:pPr>
-            <a:r>
-              <a:rPr lang="en-US" b="1" dirty="0"/>
-              <a:t>Systematize</a:t>
-            </a:r>
-            <a:endParaRPr lang="en-US" dirty="0"/>
-          </a:p>
-          <a:p>
-            <a:pPr lvl="1"/>
-            <a:r>
-              <a:rPr lang="en-US" dirty="0"/>
-              <a:t>Simplify and organize the steps in your process as pseudo-code</a:t>
-            </a:r>
-          </a:p>
-          <a:p>
-            <a:pPr lvl="1"/>
-            <a:r>
-              <a:rPr lang="en-US" dirty="0"/>
-              <a:t>This is your algorithm</a:t>
-            </a:r>
-          </a:p>
-          <a:p>
-            <a:pPr lvl="1"/>
-            <a:endParaRPr lang="en-US" dirty="0"/>
-          </a:p>
-        </p:txBody>
-      </p:sp>
-    </p:spTree>
-    <p:extLst>
-      <p:ext uri="{BB962C8B-B14F-4D97-AF65-F5344CB8AC3E}">
-        <p14:creationId xmlns:p14="http://schemas.microsoft.com/office/powerpoint/2010/main" val="1168501001"/>
-      </p:ext>
-    </p:extLst>
-  </p:cSld>
-  <p:clrMapOvr>
-    <a:masterClrMapping/>
-  </p:clrMapOvr>
-</p:sld>
-</file>
-
-<file path=ppt/slides/slide13.xml><?xml version="1.0" encoding="utf-8"?>
-<p:sld xmlns:a="http://schemas.openxmlformats.org/drawingml/2006/main" xmlns:r="http://schemas.openxmlformats.org/officeDocument/2006/relationships" xmlns:p="http://schemas.openxmlformats.org/presentationml/2006/main">
-  <p:cSld>
-    <p:spTree>
-      <p:nvGrpSpPr>
-        <p:cNvPr id="1" name=""/>
-        <p:cNvGrpSpPr/>
-        <p:nvPr/>
-      </p:nvGrpSpPr>
-      <p:grpSpPr>
-        <a:xfrm>
-          <a:off x="0" y="0"/>
-          <a:ext cx="0" cy="0"/>
-          <a:chOff x="0" y="0"/>
-          <a:chExt cx="0" cy="0"/>
-        </a:xfrm>
-      </p:grpSpPr>
-      <p:sp>
-        <p:nvSpPr>
-          <p:cNvPr id="2" name="Title 1"/>
-          <p:cNvSpPr>
-            <a:spLocks noGrp="1"/>
-          </p:cNvSpPr>
-          <p:nvPr>
-            <p:ph type="title"/>
-          </p:nvPr>
-        </p:nvSpPr>
-        <p:spPr/>
-        <p:txBody>
-          <a:bodyPr/>
-          <a:lstStyle/>
-          <a:p>
-            <a:r>
-              <a:rPr lang="en-US" dirty="0"/>
               <a:t>Steps in “solve” phase</a:t>
             </a:r>
           </a:p>
@@ -4495,7 +4423,7 @@
 </p:sld>
 </file>
 
-<file path=ppt/slides/slide14.xml><?xml version="1.0" encoding="utf-8"?>
+<file path=ppt/slides/slide13.xml><?xml version="1.0" encoding="utf-8"?>
 <p:sld xmlns:a="http://schemas.openxmlformats.org/drawingml/2006/main" xmlns:r="http://schemas.openxmlformats.org/officeDocument/2006/relationships" xmlns:p="http://schemas.openxmlformats.org/presentationml/2006/main">
   <p:cSld>
     <p:spTree>
@@ -4662,6 +4590,106 @@
 </p:sld>
 </file>
 
+<file path=ppt/slides/slide14.xml><?xml version="1.0" encoding="utf-8"?>
+<p:sld xmlns:a="http://schemas.openxmlformats.org/drawingml/2006/main" xmlns:r="http://schemas.openxmlformats.org/officeDocument/2006/relationships" xmlns:p="http://schemas.openxmlformats.org/presentationml/2006/main">
+  <p:cSld>
+    <p:spTree>
+      <p:nvGrpSpPr>
+        <p:cNvPr id="1" name=""/>
+        <p:cNvGrpSpPr/>
+        <p:nvPr/>
+      </p:nvGrpSpPr>
+      <p:grpSpPr>
+        <a:xfrm>
+          <a:off x="0" y="0"/>
+          <a:ext cx="0" cy="0"/>
+          <a:chOff x="0" y="0"/>
+          <a:chExt cx="0" cy="0"/>
+        </a:xfrm>
+      </p:grpSpPr>
+      <p:sp>
+        <p:nvSpPr>
+          <p:cNvPr id="2" name="Title 1"/>
+          <p:cNvSpPr>
+            <a:spLocks noGrp="1"/>
+          </p:cNvSpPr>
+          <p:nvPr>
+            <p:ph type="title"/>
+          </p:nvPr>
+        </p:nvSpPr>
+        <p:spPr/>
+        <p:txBody>
+          <a:bodyPr/>
+          <a:lstStyle/>
+          <a:p>
+            <a:r>
+              <a:rPr lang="en-US" dirty="0"/>
+              <a:t>4. Verify/test</a:t>
+            </a:r>
+          </a:p>
+        </p:txBody>
+      </p:sp>
+      <p:sp>
+        <p:nvSpPr>
+          <p:cNvPr id="3" name="Content Placeholder 2"/>
+          <p:cNvSpPr>
+            <a:spLocks noGrp="1"/>
+          </p:cNvSpPr>
+          <p:nvPr>
+            <p:ph idx="1"/>
+          </p:nvPr>
+        </p:nvSpPr>
+        <p:spPr/>
+        <p:txBody>
+          <a:bodyPr>
+            <a:normAutofit/>
+          </a:bodyPr>
+          <a:lstStyle/>
+          <a:p>
+            <a:r>
+              <a:rPr lang="en-US" dirty="0"/>
+              <a:t>Test your code on the representative examples you identified early on in this process</a:t>
+            </a:r>
+          </a:p>
+          <a:p>
+            <a:r>
+              <a:rPr lang="en-US" dirty="0"/>
+              <a:t>Now, try some edge cases, which will likely break your code</a:t>
+            </a:r>
+          </a:p>
+          <a:p>
+            <a:r>
+              <a:rPr lang="en-US" dirty="0"/>
+              <a:t>Go back to the algorithm and process design phase and alter it to handle the edge cases</a:t>
+            </a:r>
+          </a:p>
+          <a:p>
+            <a:r>
+              <a:rPr lang="en-US" dirty="0"/>
+              <a:t>Translate the changes to code</a:t>
+            </a:r>
+          </a:p>
+          <a:p>
+            <a:r>
+              <a:rPr lang="en-US" dirty="0"/>
+              <a:t>Verify that you did not break the representative examples and then test on the edge cases</a:t>
+            </a:r>
+          </a:p>
+        </p:txBody>
+      </p:sp>
+    </p:spTree>
+    <p:extLst>
+      <p:ext uri="{BB962C8B-B14F-4D97-AF65-F5344CB8AC3E}">
+        <p14:creationId xmlns:p14="http://schemas.microsoft.com/office/powerpoint/2010/main" val="390093624"/>
+      </p:ext>
+    </p:extLst>
+  </p:cSld>
+  <p:clrMapOvr>
+    <a:masterClrMapping/>
+  </p:clrMapOvr>
+</p:sld>
+</file>
+
 <file path=ppt/slides/slide15.xml><?xml version="1.0" encoding="utf-8"?>
 <p:sld xmlns:a="http://schemas.openxmlformats.org/drawingml/2006/main" xmlns:r="http://schemas.openxmlformats.org/officeDocument/2006/relationships" xmlns:p="http://schemas.openxmlformats.org/presentationml/2006/main">
   <p:cSld>
@@ -4696,7 +4724,7 @@
           <a:p>
             <a:r>
               <a:rPr lang="en-US" dirty="0"/>
-              <a:t>4. Verify/test</a:t>
+              <a:t>Unit tests</a:t>
             </a:r>
           </a:p>
         </p:txBody>
@@ -4711,40 +4739,51 @@
             <p:ph idx="1"/>
           </p:nvPr>
         </p:nvSpPr>
-        <p:spPr/>
+        <p:spPr>
+          <a:xfrm>
+            <a:off x="838200" y="1536970"/>
+            <a:ext cx="10515600" cy="4639993"/>
+          </a:xfrm>
+        </p:spPr>
         <p:txBody>
           <a:bodyPr>
-            <a:normAutofit/>
+            <a:normAutofit fontScale="92500" lnSpcReduction="10000"/>
           </a:bodyPr>
           <a:lstStyle/>
           <a:p>
             <a:r>
               <a:rPr lang="en-US" dirty="0"/>
-              <a:t>Test your code on the representative examples you identified early on in this process</a:t>
-            </a:r>
-          </a:p>
-          <a:p>
-            <a:r>
-              <a:rPr lang="en-US" dirty="0"/>
-              <a:t>Now, try some edge cases, which will likely break your code</a:t>
-            </a:r>
-          </a:p>
-          <a:p>
-            <a:r>
-              <a:rPr lang="en-US" dirty="0"/>
-              <a:t>Go back to the algorithm and process design phase and alter it to handle the edge cases</a:t>
-            </a:r>
-          </a:p>
-          <a:p>
-            <a:r>
-              <a:rPr lang="en-US" dirty="0"/>
-              <a:t>Translate the changes to code</a:t>
-            </a:r>
-          </a:p>
-          <a:p>
-            <a:r>
-              <a:rPr lang="en-US" dirty="0"/>
-              <a:t>Verify that you did not break the representative examples and then test on the edge cases</a:t>
+              <a:t>In a job situation, you’d encode these tests as “unit tests”</a:t>
+            </a:r>
+          </a:p>
+          <a:p>
+            <a:r>
+              <a:rPr lang="en-US" dirty="0"/>
+              <a:t>These tests are reproducible and should check edge cases, representative examples, and examples that should fail or cause exceptions</a:t>
+            </a:r>
+          </a:p>
+          <a:p>
+            <a:r>
+              <a:rPr lang="en-US" dirty="0"/>
+              <a:t>All code changes over time, which can introduce bugs</a:t>
+            </a:r>
+          </a:p>
+          <a:p>
+            <a:r>
+              <a:rPr lang="en-US" dirty="0"/>
+              <a:t>These tests are your primary line of defense against the introduction of bugs in working code (so-called "regressions")</a:t>
+            </a:r>
+          </a:p>
+          <a:p>
+            <a:r>
+              <a:rPr lang="en-US" dirty="0"/>
+              <a:t>This is the difference between an amateur and a professional programmer; you cannot safely change code without tests that check the sanity of your system</a:t>
+            </a:r>
+          </a:p>
+          <a:p>
+            <a:r>
+              <a:rPr lang="en-US" dirty="0"/>
+              <a:t>For machine learning scripts that just develop models, this might be less true, but it is very true for large or complex systems</a:t>
             </a:r>
           </a:p>
         </p:txBody>
@@ -4752,7 +4791,7 @@
     </p:spTree>
     <p:extLst>
       <p:ext uri="{BB962C8B-B14F-4D97-AF65-F5344CB8AC3E}">
-        <p14:creationId xmlns:p14="http://schemas.microsoft.com/office/powerpoint/2010/main" val="390093624"/>
+        <p14:creationId xmlns:p14="http://schemas.microsoft.com/office/powerpoint/2010/main" val="1732879040"/>
       </p:ext>
     </p:extLst>
   </p:cSld>
@@ -4796,7 +4835,7 @@
           <a:p>
             <a:r>
               <a:rPr lang="en-US" dirty="0"/>
-              <a:t>Unit tests</a:t>
+              <a:t>What to do when you get stuck</a:t>
             </a:r>
           </a:p>
         </p:txBody>
@@ -4811,51 +4850,40 @@
             <p:ph idx="1"/>
           </p:nvPr>
         </p:nvSpPr>
-        <p:spPr>
-          <a:xfrm>
-            <a:off x="838200" y="1536970"/>
-            <a:ext cx="10515600" cy="4639993"/>
-          </a:xfrm>
-        </p:spPr>
-        <p:txBody>
-          <a:bodyPr>
-            <a:normAutofit fontScale="92500" lnSpcReduction="10000"/>
-          </a:bodyPr>
-          <a:lstStyle/>
-          <a:p>
-            <a:r>
-              <a:rPr lang="en-US" dirty="0"/>
-              <a:t>In a job situation, you’d encode these tests as “unit tests”</a:t>
-            </a:r>
-          </a:p>
-          <a:p>
-            <a:r>
-              <a:rPr lang="en-US" dirty="0"/>
-              <a:t>These tests are reproducible and should check edge cases, representative examples, and examples that should fail or cause exceptions</a:t>
-            </a:r>
-          </a:p>
-          <a:p>
-            <a:r>
-              <a:rPr lang="en-US" dirty="0"/>
-              <a:t>All code changes over time, which can introduce bugs</a:t>
-            </a:r>
-          </a:p>
-          <a:p>
-            <a:r>
-              <a:rPr lang="en-US" dirty="0"/>
-              <a:t>These tests are your primary line of defense against the introduction of bugs in working code (so-called "regressions")</a:t>
-            </a:r>
-          </a:p>
-          <a:p>
-            <a:r>
-              <a:rPr lang="en-US" dirty="0"/>
-              <a:t>This is the difference between an amateur and a professional programmer; you cannot safely change code without tests that check the sanity of your system</a:t>
-            </a:r>
-          </a:p>
-          <a:p>
-            <a:r>
-              <a:rPr lang="en-US" dirty="0"/>
-              <a:t>For machine learning scripts that just develop models, this might be less true, but it is very true for large or complex systems</a:t>
+        <p:spPr/>
+        <p:txBody>
+          <a:bodyPr/>
+          <a:lstStyle/>
+          <a:p>
+            <a:r>
+              <a:rPr lang="en-US" dirty="0"/>
+              <a:t>First thing: Identify exactly what you don't know how to do</a:t>
+            </a:r>
+          </a:p>
+          <a:p>
+            <a:r>
+              <a:rPr lang="en-US" dirty="0"/>
+              <a:t>Identifying the tricky bit is a skill that interviewer should look for</a:t>
+            </a:r>
+          </a:p>
+          <a:p>
+            <a:r>
+              <a:rPr lang="en-US" dirty="0"/>
+              <a:t>It's a good idea to express verbally, “</a:t>
+            </a:r>
+            <a:r>
+              <a:rPr lang="en-US" i="1" dirty="0"/>
+              <a:t>Ah. This is what makes this problem tricky</a:t>
+            </a:r>
+            <a:r>
+              <a:rPr lang="en-US" dirty="0"/>
+              <a:t>”</a:t>
+            </a:r>
+          </a:p>
+          <a:p>
+            <a:r>
+              <a:rPr lang="en-US" dirty="0"/>
+              <a:t>The interviewer might be waiting for you to ask for a hint because they've given you a challenging problem and want to see how you work through it</a:t>
             </a:r>
           </a:p>
         </p:txBody>
@@ -4863,7 +4891,7 @@
     </p:spTree>
     <p:extLst>
       <p:ext uri="{BB962C8B-B14F-4D97-AF65-F5344CB8AC3E}">
-        <p14:creationId xmlns:p14="http://schemas.microsoft.com/office/powerpoint/2010/main" val="1732879040"/>
+        <p14:creationId xmlns:p14="http://schemas.microsoft.com/office/powerpoint/2010/main" val="1429772068"/>
       </p:ext>
     </p:extLst>
   </p:cSld>
@@ -4907,106 +4935,6 @@
           <a:p>
             <a:r>
               <a:rPr lang="en-US" dirty="0"/>
-              <a:t>What to do when you get stuck</a:t>
-            </a:r>
-          </a:p>
-        </p:txBody>
-      </p:sp>
-      <p:sp>
-        <p:nvSpPr>
-          <p:cNvPr id="3" name="Content Placeholder 2"/>
-          <p:cNvSpPr>
-            <a:spLocks noGrp="1"/>
-          </p:cNvSpPr>
-          <p:nvPr>
-            <p:ph idx="1"/>
-          </p:nvPr>
-        </p:nvSpPr>
-        <p:spPr/>
-        <p:txBody>
-          <a:bodyPr/>
-          <a:lstStyle/>
-          <a:p>
-            <a:r>
-              <a:rPr lang="en-US" dirty="0"/>
-              <a:t>First thing: Identify exactly what you don't know how to do</a:t>
-            </a:r>
-          </a:p>
-          <a:p>
-            <a:r>
-              <a:rPr lang="en-US" dirty="0"/>
-              <a:t>Identifying the tricky bit is a skill that interviewer should look for</a:t>
-            </a:r>
-          </a:p>
-          <a:p>
-            <a:r>
-              <a:rPr lang="en-US" dirty="0"/>
-              <a:t>It's a good idea to express verbally, “</a:t>
-            </a:r>
-            <a:r>
-              <a:rPr lang="en-US" i="1" dirty="0"/>
-              <a:t>Ah. This is what makes this problem tricky</a:t>
-            </a:r>
-            <a:r>
-              <a:rPr lang="en-US" dirty="0"/>
-              <a:t>”</a:t>
-            </a:r>
-          </a:p>
-          <a:p>
-            <a:r>
-              <a:rPr lang="en-US" dirty="0"/>
-              <a:t>The interviewer might be waiting for you to ask for a hint because they've given you a challenging problem and want to see how you work through it</a:t>
-            </a:r>
-          </a:p>
-        </p:txBody>
-      </p:sp>
-    </p:spTree>
-    <p:extLst>
-      <p:ext uri="{BB962C8B-B14F-4D97-AF65-F5344CB8AC3E}">
-        <p14:creationId xmlns:p14="http://schemas.microsoft.com/office/powerpoint/2010/main" val="1429772068"/>
-      </p:ext>
-    </p:extLst>
-  </p:cSld>
-  <p:clrMapOvr>
-    <a:masterClrMapping/>
-  </p:clrMapOvr>
-</p:sld>
-</file>
-
-<file path=ppt/slides/slide18.xml><?xml version="1.0" encoding="utf-8"?>
-<p:sld xmlns:a="http://schemas.openxmlformats.org/drawingml/2006/main" xmlns:r="http://schemas.openxmlformats.org/officeDocument/2006/relationships" xmlns:p="http://schemas.openxmlformats.org/presentationml/2006/main">
-  <p:cSld>
-    <p:spTree>
-      <p:nvGrpSpPr>
-        <p:cNvPr id="1" name=""/>
-        <p:cNvGrpSpPr/>
-        <p:nvPr/>
-      </p:nvGrpSpPr>
-      <p:grpSpPr>
-        <a:xfrm>
-          <a:off x="0" y="0"/>
-          <a:ext cx="0" cy="0"/>
-          <a:chOff x="0" y="0"/>
-          <a:chExt cx="0" cy="0"/>
-        </a:xfrm>
-      </p:grpSpPr>
-      <p:sp>
-        <p:nvSpPr>
-          <p:cNvPr id="2" name="Title 1"/>
-          <p:cNvSpPr>
-            <a:spLocks noGrp="1"/>
-          </p:cNvSpPr>
-          <p:nvPr>
-            <p:ph type="title"/>
-          </p:nvPr>
-        </p:nvSpPr>
-        <p:spPr/>
-        <p:txBody>
-          <a:bodyPr/>
-          <a:lstStyle/>
-          <a:p>
-            <a:r>
-              <a:rPr lang="en-US" dirty="0"/>
               <a:t>An example from a real interview</a:t>
             </a:r>
           </a:p>
@@ -5065,7 +4993,7 @@
 </p:sld>
 </file>
 
-<file path=ppt/slides/slide19.xml><?xml version="1.0" encoding="utf-8"?>
+<file path=ppt/slides/slide18.xml><?xml version="1.0" encoding="utf-8"?>
 <p:sld xmlns:a="http://schemas.openxmlformats.org/drawingml/2006/main" xmlns:r="http://schemas.openxmlformats.org/officeDocument/2006/relationships" xmlns:p="http://schemas.openxmlformats.org/presentationml/2006/main">
   <p:cSld>
     <p:spTree>
